--- a/dice_face.pptx
+++ b/dice_face.pptx
@@ -11,6 +11,7 @@
     <p:sldId id="258" r:id="rId5"/>
     <p:sldId id="260" r:id="rId6"/>
     <p:sldId id="261" r:id="rId7"/>
+    <p:sldId id="262" r:id="rId8"/>
   </p:sldIdLst>
   <p:sldSz cx="12192000" cy="6858000"/>
   <p:notesSz cx="6858000" cy="9144000"/>
@@ -264,7 +265,7 @@
           <a:p>
             <a:fld id="{07C73172-DB0A-F34B-96BA-02C1D30BF0B8}" type="datetimeFigureOut">
               <a:rPr lang="en-US" smtClean="0"/>
-              <a:t>7/26/20</a:t>
+              <a:t>7/27/20</a:t>
             </a:fld>
             <a:endParaRPr lang="en-US"/>
           </a:p>
@@ -462,7 +463,7 @@
           <a:p>
             <a:fld id="{07C73172-DB0A-F34B-96BA-02C1D30BF0B8}" type="datetimeFigureOut">
               <a:rPr lang="en-US" smtClean="0"/>
-              <a:t>7/26/20</a:t>
+              <a:t>7/27/20</a:t>
             </a:fld>
             <a:endParaRPr lang="en-US"/>
           </a:p>
@@ -670,7 +671,7 @@
           <a:p>
             <a:fld id="{07C73172-DB0A-F34B-96BA-02C1D30BF0B8}" type="datetimeFigureOut">
               <a:rPr lang="en-US" smtClean="0"/>
-              <a:t>7/26/20</a:t>
+              <a:t>7/27/20</a:t>
             </a:fld>
             <a:endParaRPr lang="en-US"/>
           </a:p>
@@ -868,7 +869,7 @@
           <a:p>
             <a:fld id="{07C73172-DB0A-F34B-96BA-02C1D30BF0B8}" type="datetimeFigureOut">
               <a:rPr lang="en-US" smtClean="0"/>
-              <a:t>7/26/20</a:t>
+              <a:t>7/27/20</a:t>
             </a:fld>
             <a:endParaRPr lang="en-US"/>
           </a:p>
@@ -1143,7 +1144,7 @@
           <a:p>
             <a:fld id="{07C73172-DB0A-F34B-96BA-02C1D30BF0B8}" type="datetimeFigureOut">
               <a:rPr lang="en-US" smtClean="0"/>
-              <a:t>7/26/20</a:t>
+              <a:t>7/27/20</a:t>
             </a:fld>
             <a:endParaRPr lang="en-US"/>
           </a:p>
@@ -1408,7 +1409,7 @@
           <a:p>
             <a:fld id="{07C73172-DB0A-F34B-96BA-02C1D30BF0B8}" type="datetimeFigureOut">
               <a:rPr lang="en-US" smtClean="0"/>
-              <a:t>7/26/20</a:t>
+              <a:t>7/27/20</a:t>
             </a:fld>
             <a:endParaRPr lang="en-US"/>
           </a:p>
@@ -1820,7 +1821,7 @@
           <a:p>
             <a:fld id="{07C73172-DB0A-F34B-96BA-02C1D30BF0B8}" type="datetimeFigureOut">
               <a:rPr lang="en-US" smtClean="0"/>
-              <a:t>7/26/20</a:t>
+              <a:t>7/27/20</a:t>
             </a:fld>
             <a:endParaRPr lang="en-US"/>
           </a:p>
@@ -1961,7 +1962,7 @@
           <a:p>
             <a:fld id="{07C73172-DB0A-F34B-96BA-02C1D30BF0B8}" type="datetimeFigureOut">
               <a:rPr lang="en-US" smtClean="0"/>
-              <a:t>7/26/20</a:t>
+              <a:t>7/27/20</a:t>
             </a:fld>
             <a:endParaRPr lang="en-US"/>
           </a:p>
@@ -2074,7 +2075,7 @@
           <a:p>
             <a:fld id="{07C73172-DB0A-F34B-96BA-02C1D30BF0B8}" type="datetimeFigureOut">
               <a:rPr lang="en-US" smtClean="0"/>
-              <a:t>7/26/20</a:t>
+              <a:t>7/27/20</a:t>
             </a:fld>
             <a:endParaRPr lang="en-US"/>
           </a:p>
@@ -2385,7 +2386,7 @@
           <a:p>
             <a:fld id="{07C73172-DB0A-F34B-96BA-02C1D30BF0B8}" type="datetimeFigureOut">
               <a:rPr lang="en-US" smtClean="0"/>
-              <a:t>7/26/20</a:t>
+              <a:t>7/27/20</a:t>
             </a:fld>
             <a:endParaRPr lang="en-US"/>
           </a:p>
@@ -2673,7 +2674,7 @@
           <a:p>
             <a:fld id="{07C73172-DB0A-F34B-96BA-02C1D30BF0B8}" type="datetimeFigureOut">
               <a:rPr lang="en-US" smtClean="0"/>
-              <a:t>7/26/20</a:t>
+              <a:t>7/27/20</a:t>
             </a:fld>
             <a:endParaRPr lang="en-US"/>
           </a:p>
@@ -2914,7 +2915,7 @@
           <a:p>
             <a:fld id="{07C73172-DB0A-F34B-96BA-02C1D30BF0B8}" type="datetimeFigureOut">
               <a:rPr lang="en-US" smtClean="0"/>
-              <a:t>7/26/20</a:t>
+              <a:t>7/27/20</a:t>
             </a:fld>
             <a:endParaRPr lang="en-US"/>
           </a:p>
@@ -9889,7 +9890,7 @@
         </p:nvGrpSpPr>
         <p:grpSpPr>
           <a:xfrm>
-            <a:off x="374023" y="1249823"/>
+            <a:off x="-2011146" y="1172687"/>
             <a:ext cx="5036897" cy="5036897"/>
             <a:chOff x="431796" y="1650024"/>
             <a:chExt cx="5036897" cy="5036897"/>
@@ -11871,6 +11872,210 @@
             <a:p>
               <a:pPr algn="ctr"/>
               <a:endParaRPr lang="en-US" dirty="0"/>
+            </a:p>
+          </p:txBody>
+        </p:sp>
+      </p:grpSp>
+      <p:grpSp>
+        <p:nvGrpSpPr>
+          <p:cNvPr id="104" name="Group 103">
+            <a:extLst>
+              <a:ext uri="{FF2B5EF4-FFF2-40B4-BE49-F238E27FC236}">
+                <a16:creationId xmlns:a16="http://schemas.microsoft.com/office/drawing/2014/main" id="{B125C6E9-64D8-3F42-931E-6BDD3004F02D}"/>
+              </a:ext>
+            </a:extLst>
+          </p:cNvPr>
+          <p:cNvGrpSpPr/>
+          <p:nvPr/>
+        </p:nvGrpSpPr>
+        <p:grpSpPr>
+          <a:xfrm>
+            <a:off x="1467909" y="1431779"/>
+            <a:ext cx="5036897" cy="5036897"/>
+            <a:chOff x="431796" y="1650024"/>
+            <a:chExt cx="5036897" cy="5036897"/>
+          </a:xfrm>
+        </p:grpSpPr>
+        <p:sp>
+          <p:nvSpPr>
+            <p:cNvPr id="105" name="Trapezoid 104">
+              <a:extLst>
+                <a:ext uri="{FF2B5EF4-FFF2-40B4-BE49-F238E27FC236}">
+                  <a16:creationId xmlns:a16="http://schemas.microsoft.com/office/drawing/2014/main" id="{FA9951B6-1656-6142-A209-9F8BC9E4067D}"/>
+                </a:ext>
+              </a:extLst>
+            </p:cNvPr>
+            <p:cNvSpPr/>
+            <p:nvPr/>
+          </p:nvSpPr>
+          <p:spPr>
+            <a:xfrm>
+              <a:off x="1891587" y="4240025"/>
+              <a:ext cx="2130409" cy="2375088"/>
+            </a:xfrm>
+            <a:prstGeom prst="trapezoid">
+              <a:avLst/>
+            </a:prstGeom>
+            <a:gradFill>
+              <a:gsLst>
+                <a:gs pos="81000">
+                  <a:srgbClr val="E1772D"/>
+                </a:gs>
+                <a:gs pos="20000">
+                  <a:srgbClr val="E1772D"/>
+                </a:gs>
+                <a:gs pos="0">
+                  <a:schemeClr val="accent2">
+                    <a:lumMod val="75000"/>
+                  </a:schemeClr>
+                </a:gs>
+                <a:gs pos="44000">
+                  <a:schemeClr val="accent2">
+                    <a:lumMod val="40000"/>
+                    <a:lumOff val="60000"/>
+                  </a:schemeClr>
+                </a:gs>
+                <a:gs pos="54000">
+                  <a:schemeClr val="accent2">
+                    <a:lumMod val="40000"/>
+                    <a:lumOff val="60000"/>
+                  </a:schemeClr>
+                </a:gs>
+                <a:gs pos="100000">
+                  <a:schemeClr val="accent2">
+                    <a:lumMod val="75000"/>
+                  </a:schemeClr>
+                </a:gs>
+              </a:gsLst>
+              <a:lin ang="10800000" scaled="0"/>
+            </a:gradFill>
+            <a:ln>
+              <a:noFill/>
+            </a:ln>
+          </p:spPr>
+          <p:style>
+            <a:lnRef idx="2">
+              <a:schemeClr val="accent1">
+                <a:shade val="50000"/>
+              </a:schemeClr>
+            </a:lnRef>
+            <a:fillRef idx="1">
+              <a:schemeClr val="accent1"/>
+            </a:fillRef>
+            <a:effectRef idx="0">
+              <a:schemeClr val="accent1"/>
+            </a:effectRef>
+            <a:fontRef idx="minor">
+              <a:schemeClr val="lt1"/>
+            </a:fontRef>
+          </p:style>
+          <p:txBody>
+            <a:bodyPr rtlCol="0" anchor="ctr"/>
+            <a:lstStyle/>
+            <a:p>
+              <a:pPr algn="ctr"/>
+              <a:endParaRPr lang="en-US"/>
+            </a:p>
+          </p:txBody>
+        </p:sp>
+        <p:sp>
+          <p:nvSpPr>
+            <p:cNvPr id="106" name="Oval 105">
+              <a:extLst>
+                <a:ext uri="{FF2B5EF4-FFF2-40B4-BE49-F238E27FC236}">
+                  <a16:creationId xmlns:a16="http://schemas.microsoft.com/office/drawing/2014/main" id="{3018A644-6891-A54E-873E-ED057E9F37B9}"/>
+                </a:ext>
+              </a:extLst>
+            </p:cNvPr>
+            <p:cNvSpPr/>
+            <p:nvPr/>
+          </p:nvSpPr>
+          <p:spPr>
+            <a:xfrm>
+              <a:off x="2418464" y="4168472"/>
+              <a:ext cx="1069848" cy="182880"/>
+            </a:xfrm>
+            <a:prstGeom prst="ellipse">
+              <a:avLst/>
+            </a:prstGeom>
+            <a:solidFill>
+              <a:srgbClr val="E1772D"/>
+            </a:solidFill>
+            <a:ln>
+              <a:noFill/>
+            </a:ln>
+          </p:spPr>
+          <p:style>
+            <a:lnRef idx="2">
+              <a:schemeClr val="accent1">
+                <a:shade val="50000"/>
+              </a:schemeClr>
+            </a:lnRef>
+            <a:fillRef idx="1">
+              <a:schemeClr val="accent1"/>
+            </a:fillRef>
+            <a:effectRef idx="0">
+              <a:schemeClr val="accent1"/>
+            </a:effectRef>
+            <a:fontRef idx="minor">
+              <a:schemeClr val="lt1"/>
+            </a:fontRef>
+          </p:style>
+          <p:txBody>
+            <a:bodyPr rtlCol="0" anchor="ctr"/>
+            <a:lstStyle/>
+            <a:p>
+              <a:pPr algn="ctr"/>
+              <a:endParaRPr lang="en-US"/>
+            </a:p>
+          </p:txBody>
+        </p:sp>
+        <p:sp>
+          <p:nvSpPr>
+            <p:cNvPr id="107" name="Arc 106">
+              <a:extLst>
+                <a:ext uri="{FF2B5EF4-FFF2-40B4-BE49-F238E27FC236}">
+                  <a16:creationId xmlns:a16="http://schemas.microsoft.com/office/drawing/2014/main" id="{5435A6A3-8F8E-9445-AC02-0E0354DA5454}"/>
+                </a:ext>
+              </a:extLst>
+            </p:cNvPr>
+            <p:cNvSpPr/>
+            <p:nvPr/>
+          </p:nvSpPr>
+          <p:spPr>
+            <a:xfrm rot="8048608">
+              <a:off x="431796" y="1650024"/>
+              <a:ext cx="5036897" cy="5036897"/>
+            </a:xfrm>
+            <a:prstGeom prst="arc">
+              <a:avLst/>
+            </a:prstGeom>
+            <a:ln w="292100">
+              <a:solidFill>
+                <a:schemeClr val="bg1"/>
+              </a:solidFill>
+            </a:ln>
+          </p:spPr>
+          <p:style>
+            <a:lnRef idx="1">
+              <a:schemeClr val="accent1"/>
+            </a:lnRef>
+            <a:fillRef idx="0">
+              <a:schemeClr val="accent1"/>
+            </a:fillRef>
+            <a:effectRef idx="0">
+              <a:schemeClr val="accent1"/>
+            </a:effectRef>
+            <a:fontRef idx="minor">
+              <a:schemeClr val="tx1"/>
+            </a:fontRef>
+          </p:style>
+          <p:txBody>
+            <a:bodyPr rtlCol="0" anchor="ctr"/>
+            <a:lstStyle/>
+            <a:p>
+              <a:pPr algn="ctr"/>
+              <a:endParaRPr lang="en-US"/>
             </a:p>
           </p:txBody>
         </p:sp>
@@ -16020,7 +16225,7 @@
         </p:nvGrpSpPr>
         <p:grpSpPr>
           <a:xfrm>
-            <a:off x="431796" y="1650024"/>
+            <a:off x="-1839840" y="1321261"/>
             <a:ext cx="5036897" cy="5036897"/>
             <a:chOff x="431796" y="1650024"/>
             <a:chExt cx="5036897" cy="5036897"/>
@@ -16168,6 +16373,212 @@
               <a:extLst>
                 <a:ext uri="{FF2B5EF4-FFF2-40B4-BE49-F238E27FC236}">
                   <a16:creationId xmlns:a16="http://schemas.microsoft.com/office/drawing/2014/main" id="{7DF70714-9743-0042-9144-AEE196071D8A}"/>
+                </a:ext>
+              </a:extLst>
+            </p:cNvPr>
+            <p:cNvSpPr/>
+            <p:nvPr/>
+          </p:nvSpPr>
+          <p:spPr>
+            <a:xfrm rot="8048608">
+              <a:off x="431796" y="1650024"/>
+              <a:ext cx="5036897" cy="5036897"/>
+            </a:xfrm>
+            <a:prstGeom prst="arc">
+              <a:avLst/>
+            </a:prstGeom>
+            <a:ln w="292100">
+              <a:solidFill>
+                <a:schemeClr val="bg1"/>
+              </a:solidFill>
+            </a:ln>
+          </p:spPr>
+          <p:style>
+            <a:lnRef idx="1">
+              <a:schemeClr val="accent1"/>
+            </a:lnRef>
+            <a:fillRef idx="0">
+              <a:schemeClr val="accent1"/>
+            </a:fillRef>
+            <a:effectRef idx="0">
+              <a:schemeClr val="accent1"/>
+            </a:effectRef>
+            <a:fontRef idx="minor">
+              <a:schemeClr val="tx1"/>
+            </a:fontRef>
+          </p:style>
+          <p:txBody>
+            <a:bodyPr rtlCol="0" anchor="ctr"/>
+            <a:lstStyle/>
+            <a:p>
+              <a:pPr algn="ctr"/>
+              <a:endParaRPr lang="en-US"/>
+            </a:p>
+          </p:txBody>
+        </p:sp>
+      </p:grpSp>
+      <p:grpSp>
+        <p:nvGrpSpPr>
+          <p:cNvPr id="120" name="Group 119">
+            <a:extLst>
+              <a:ext uri="{FF2B5EF4-FFF2-40B4-BE49-F238E27FC236}">
+                <a16:creationId xmlns:a16="http://schemas.microsoft.com/office/drawing/2014/main" id="{907AD297-01BD-6B42-80AF-F463FDF5C167}"/>
+              </a:ext>
+            </a:extLst>
+          </p:cNvPr>
+          <p:cNvGrpSpPr/>
+          <p:nvPr/>
+        </p:nvGrpSpPr>
+        <p:grpSpPr>
+          <a:xfrm>
+            <a:off x="1540066" y="1627670"/>
+            <a:ext cx="5036897" cy="5036897"/>
+            <a:chOff x="431796" y="1650024"/>
+            <a:chExt cx="5036897" cy="5036897"/>
+          </a:xfrm>
+        </p:grpSpPr>
+        <p:sp>
+          <p:nvSpPr>
+            <p:cNvPr id="121" name="Trapezoid 120">
+              <a:extLst>
+                <a:ext uri="{FF2B5EF4-FFF2-40B4-BE49-F238E27FC236}">
+                  <a16:creationId xmlns:a16="http://schemas.microsoft.com/office/drawing/2014/main" id="{EC5B2774-D69A-F541-929A-BF07542374C5}"/>
+                </a:ext>
+              </a:extLst>
+            </p:cNvPr>
+            <p:cNvSpPr/>
+            <p:nvPr/>
+          </p:nvSpPr>
+          <p:spPr>
+            <a:xfrm>
+              <a:off x="1891587" y="4240025"/>
+              <a:ext cx="2130409" cy="2375088"/>
+            </a:xfrm>
+            <a:prstGeom prst="trapezoid">
+              <a:avLst/>
+            </a:prstGeom>
+            <a:gradFill>
+              <a:gsLst>
+                <a:gs pos="69000">
+                  <a:schemeClr val="accent4">
+                    <a:lumMod val="60000"/>
+                    <a:lumOff val="40000"/>
+                  </a:schemeClr>
+                </a:gs>
+                <a:gs pos="29000">
+                  <a:schemeClr val="accent4">
+                    <a:lumMod val="60000"/>
+                    <a:lumOff val="40000"/>
+                  </a:schemeClr>
+                </a:gs>
+                <a:gs pos="0">
+                  <a:srgbClr val="FFA210"/>
+                </a:gs>
+                <a:gs pos="45000">
+                  <a:schemeClr val="accent4">
+                    <a:lumMod val="20000"/>
+                    <a:lumOff val="80000"/>
+                  </a:schemeClr>
+                </a:gs>
+                <a:gs pos="54000">
+                  <a:schemeClr val="accent4">
+                    <a:lumMod val="20000"/>
+                    <a:lumOff val="80000"/>
+                  </a:schemeClr>
+                </a:gs>
+                <a:gs pos="100000">
+                  <a:srgbClr val="FFA210"/>
+                </a:gs>
+              </a:gsLst>
+              <a:lin ang="10800000" scaled="0"/>
+            </a:gradFill>
+            <a:ln>
+              <a:noFill/>
+            </a:ln>
+          </p:spPr>
+          <p:style>
+            <a:lnRef idx="2">
+              <a:schemeClr val="accent1">
+                <a:shade val="50000"/>
+              </a:schemeClr>
+            </a:lnRef>
+            <a:fillRef idx="1">
+              <a:schemeClr val="accent1"/>
+            </a:fillRef>
+            <a:effectRef idx="0">
+              <a:schemeClr val="accent1"/>
+            </a:effectRef>
+            <a:fontRef idx="minor">
+              <a:schemeClr val="lt1"/>
+            </a:fontRef>
+          </p:style>
+          <p:txBody>
+            <a:bodyPr rtlCol="0" anchor="ctr"/>
+            <a:lstStyle/>
+            <a:p>
+              <a:pPr algn="ctr"/>
+              <a:endParaRPr lang="en-US"/>
+            </a:p>
+          </p:txBody>
+        </p:sp>
+        <p:sp>
+          <p:nvSpPr>
+            <p:cNvPr id="122" name="Oval 121">
+              <a:extLst>
+                <a:ext uri="{FF2B5EF4-FFF2-40B4-BE49-F238E27FC236}">
+                  <a16:creationId xmlns:a16="http://schemas.microsoft.com/office/drawing/2014/main" id="{ECDF3EA8-B7D0-D94F-A5B2-4A0041CFDFD1}"/>
+                </a:ext>
+              </a:extLst>
+            </p:cNvPr>
+            <p:cNvSpPr/>
+            <p:nvPr/>
+          </p:nvSpPr>
+          <p:spPr>
+            <a:xfrm>
+              <a:off x="2418464" y="4168472"/>
+              <a:ext cx="1069848" cy="182880"/>
+            </a:xfrm>
+            <a:prstGeom prst="ellipse">
+              <a:avLst/>
+            </a:prstGeom>
+            <a:solidFill>
+              <a:schemeClr val="accent4"/>
+            </a:solidFill>
+            <a:ln>
+              <a:noFill/>
+            </a:ln>
+          </p:spPr>
+          <p:style>
+            <a:lnRef idx="2">
+              <a:schemeClr val="accent1">
+                <a:shade val="50000"/>
+              </a:schemeClr>
+            </a:lnRef>
+            <a:fillRef idx="1">
+              <a:schemeClr val="accent1"/>
+            </a:fillRef>
+            <a:effectRef idx="0">
+              <a:schemeClr val="accent1"/>
+            </a:effectRef>
+            <a:fontRef idx="minor">
+              <a:schemeClr val="lt1"/>
+            </a:fontRef>
+          </p:style>
+          <p:txBody>
+            <a:bodyPr rtlCol="0" anchor="ctr"/>
+            <a:lstStyle/>
+            <a:p>
+              <a:pPr algn="ctr"/>
+              <a:endParaRPr lang="en-US" dirty="0"/>
+            </a:p>
+          </p:txBody>
+        </p:sp>
+        <p:sp>
+          <p:nvSpPr>
+            <p:cNvPr id="123" name="Arc 122">
+              <a:extLst>
+                <a:ext uri="{FF2B5EF4-FFF2-40B4-BE49-F238E27FC236}">
+                  <a16:creationId xmlns:a16="http://schemas.microsoft.com/office/drawing/2014/main" id="{4C1AD219-E77D-6D49-BD0F-F6AB9DB3B574}"/>
                 </a:ext>
               </a:extLst>
             </p:cNvPr>
@@ -29597,6 +30008,286 @@
 </p:sld>
 </file>
 
+<file path=ppt/slides/slide7.xml><?xml version="1.0" encoding="utf-8"?>
+<p:sld xmlns:a="http://schemas.openxmlformats.org/drawingml/2006/main" xmlns:r="http://schemas.openxmlformats.org/officeDocument/2006/relationships" xmlns:p="http://schemas.openxmlformats.org/presentationml/2006/main">
+  <p:cSld>
+    <p:spTree>
+      <p:nvGrpSpPr>
+        <p:cNvPr id="1" name=""/>
+        <p:cNvGrpSpPr/>
+        <p:nvPr/>
+      </p:nvGrpSpPr>
+      <p:grpSpPr>
+        <a:xfrm>
+          <a:off x="0" y="0"/>
+          <a:ext cx="0" cy="0"/>
+          <a:chOff x="0" y="0"/>
+          <a:chExt cx="0" cy="0"/>
+        </a:xfrm>
+      </p:grpSpPr>
+      <p:grpSp>
+        <p:nvGrpSpPr>
+          <p:cNvPr id="9" name="Group 8">
+            <a:extLst>
+              <a:ext uri="{FF2B5EF4-FFF2-40B4-BE49-F238E27FC236}">
+                <a16:creationId xmlns:a16="http://schemas.microsoft.com/office/drawing/2014/main" id="{C3688CAA-1F02-8140-A216-A850A1FC0313}"/>
+              </a:ext>
+            </a:extLst>
+          </p:cNvPr>
+          <p:cNvGrpSpPr/>
+          <p:nvPr/>
+        </p:nvGrpSpPr>
+        <p:grpSpPr>
+          <a:xfrm>
+            <a:off x="4855704" y="2309129"/>
+            <a:ext cx="3433768" cy="1172256"/>
+            <a:chOff x="4855704" y="2309129"/>
+            <a:chExt cx="3433768" cy="1172256"/>
+          </a:xfrm>
+        </p:grpSpPr>
+        <p:sp>
+          <p:nvSpPr>
+            <p:cNvPr id="8" name="Rectangle 7">
+              <a:extLst>
+                <a:ext uri="{FF2B5EF4-FFF2-40B4-BE49-F238E27FC236}">
+                  <a16:creationId xmlns:a16="http://schemas.microsoft.com/office/drawing/2014/main" id="{2B4DFAB0-E43F-B545-AE64-43B1ED9FCFCA}"/>
+                </a:ext>
+              </a:extLst>
+            </p:cNvPr>
+            <p:cNvSpPr/>
+            <p:nvPr/>
+          </p:nvSpPr>
+          <p:spPr>
+            <a:xfrm>
+              <a:off x="5012872" y="2447242"/>
+              <a:ext cx="3276600" cy="1034143"/>
+            </a:xfrm>
+            <a:prstGeom prst="rect">
+              <a:avLst/>
+            </a:prstGeom>
+            <a:solidFill>
+              <a:srgbClr val="D1494C"/>
+            </a:solidFill>
+            <a:ln>
+              <a:noFill/>
+            </a:ln>
+          </p:spPr>
+          <p:style>
+            <a:lnRef idx="2">
+              <a:schemeClr val="accent1">
+                <a:shade val="50000"/>
+              </a:schemeClr>
+            </a:lnRef>
+            <a:fillRef idx="1">
+              <a:schemeClr val="accent1"/>
+            </a:fillRef>
+            <a:effectRef idx="0">
+              <a:schemeClr val="accent1"/>
+            </a:effectRef>
+            <a:fontRef idx="minor">
+              <a:schemeClr val="lt1"/>
+            </a:fontRef>
+          </p:style>
+          <p:txBody>
+            <a:bodyPr rtlCol="0" anchor="ctr"/>
+            <a:lstStyle/>
+            <a:p>
+              <a:pPr algn="ctr"/>
+              <a:endParaRPr lang="en-US" dirty="0"/>
+            </a:p>
+          </p:txBody>
+        </p:sp>
+        <p:sp>
+          <p:nvSpPr>
+            <p:cNvPr id="7" name="Rectangle 6">
+              <a:extLst>
+                <a:ext uri="{FF2B5EF4-FFF2-40B4-BE49-F238E27FC236}">
+                  <a16:creationId xmlns:a16="http://schemas.microsoft.com/office/drawing/2014/main" id="{20DB97D4-9FFF-5D4A-8207-7F575AC2D7D3}"/>
+                </a:ext>
+              </a:extLst>
+            </p:cNvPr>
+            <p:cNvSpPr/>
+            <p:nvPr/>
+          </p:nvSpPr>
+          <p:spPr>
+            <a:xfrm>
+              <a:off x="4855704" y="2309129"/>
+              <a:ext cx="3276600" cy="1034143"/>
+            </a:xfrm>
+            <a:prstGeom prst="rect">
+              <a:avLst/>
+            </a:prstGeom>
+            <a:solidFill>
+              <a:srgbClr val="FF5A5A"/>
+            </a:solidFill>
+            <a:ln>
+              <a:noFill/>
+            </a:ln>
+          </p:spPr>
+          <p:style>
+            <a:lnRef idx="2">
+              <a:schemeClr val="accent1">
+                <a:shade val="50000"/>
+              </a:schemeClr>
+            </a:lnRef>
+            <a:fillRef idx="1">
+              <a:schemeClr val="accent1"/>
+            </a:fillRef>
+            <a:effectRef idx="0">
+              <a:schemeClr val="accent1"/>
+            </a:effectRef>
+            <a:fontRef idx="minor">
+              <a:schemeClr val="lt1"/>
+            </a:fontRef>
+          </p:style>
+          <p:txBody>
+            <a:bodyPr rtlCol="0" anchor="ctr"/>
+            <a:lstStyle/>
+            <a:p>
+              <a:pPr algn="ctr"/>
+              <a:endParaRPr lang="en-US"/>
+            </a:p>
+          </p:txBody>
+        </p:sp>
+      </p:grpSp>
+      <p:grpSp>
+        <p:nvGrpSpPr>
+          <p:cNvPr id="14" name="Group 13">
+            <a:extLst>
+              <a:ext uri="{FF2B5EF4-FFF2-40B4-BE49-F238E27FC236}">
+                <a16:creationId xmlns:a16="http://schemas.microsoft.com/office/drawing/2014/main" id="{E445AFBA-359E-F04D-99EA-7FA6F4A56155}"/>
+              </a:ext>
+            </a:extLst>
+          </p:cNvPr>
+          <p:cNvGrpSpPr/>
+          <p:nvPr/>
+        </p:nvGrpSpPr>
+        <p:grpSpPr>
+          <a:xfrm>
+            <a:off x="2164554" y="4511440"/>
+            <a:ext cx="3276600" cy="1122595"/>
+            <a:chOff x="2164554" y="4511440"/>
+            <a:chExt cx="3276600" cy="1122595"/>
+          </a:xfrm>
+        </p:grpSpPr>
+        <p:sp>
+          <p:nvSpPr>
+            <p:cNvPr id="13" name="Rectangle 12">
+              <a:extLst>
+                <a:ext uri="{FF2B5EF4-FFF2-40B4-BE49-F238E27FC236}">
+                  <a16:creationId xmlns:a16="http://schemas.microsoft.com/office/drawing/2014/main" id="{993EE354-66D6-D74F-9386-B8486C24E44C}"/>
+                </a:ext>
+              </a:extLst>
+            </p:cNvPr>
+            <p:cNvSpPr/>
+            <p:nvPr/>
+          </p:nvSpPr>
+          <p:spPr>
+            <a:xfrm>
+              <a:off x="2164554" y="4599892"/>
+              <a:ext cx="3276600" cy="1034143"/>
+            </a:xfrm>
+            <a:prstGeom prst="rect">
+              <a:avLst/>
+            </a:prstGeom>
+            <a:solidFill>
+              <a:srgbClr val="D09271"/>
+            </a:solidFill>
+            <a:ln>
+              <a:noFill/>
+            </a:ln>
+          </p:spPr>
+          <p:style>
+            <a:lnRef idx="2">
+              <a:schemeClr val="accent1">
+                <a:shade val="50000"/>
+              </a:schemeClr>
+            </a:lnRef>
+            <a:fillRef idx="1">
+              <a:schemeClr val="accent1"/>
+            </a:fillRef>
+            <a:effectRef idx="0">
+              <a:schemeClr val="accent1"/>
+            </a:effectRef>
+            <a:fontRef idx="minor">
+              <a:schemeClr val="lt1"/>
+            </a:fontRef>
+          </p:style>
+          <p:txBody>
+            <a:bodyPr rtlCol="0" anchor="ctr"/>
+            <a:lstStyle/>
+            <a:p>
+              <a:pPr algn="ctr"/>
+              <a:endParaRPr lang="en-US" dirty="0"/>
+            </a:p>
+          </p:txBody>
+        </p:sp>
+        <p:sp>
+          <p:nvSpPr>
+            <p:cNvPr id="12" name="Rectangle 11">
+              <a:extLst>
+                <a:ext uri="{FF2B5EF4-FFF2-40B4-BE49-F238E27FC236}">
+                  <a16:creationId xmlns:a16="http://schemas.microsoft.com/office/drawing/2014/main" id="{881AE25E-82A1-7F4D-BABA-DA76D9D59F15}"/>
+                </a:ext>
+              </a:extLst>
+            </p:cNvPr>
+            <p:cNvSpPr/>
+            <p:nvPr/>
+          </p:nvSpPr>
+          <p:spPr>
+            <a:xfrm>
+              <a:off x="2164554" y="4511440"/>
+              <a:ext cx="3276600" cy="1034143"/>
+            </a:xfrm>
+            <a:prstGeom prst="rect">
+              <a:avLst/>
+            </a:prstGeom>
+            <a:solidFill>
+              <a:srgbClr val="FFB387"/>
+            </a:solidFill>
+            <a:ln>
+              <a:noFill/>
+            </a:ln>
+          </p:spPr>
+          <p:style>
+            <a:lnRef idx="2">
+              <a:schemeClr val="accent1">
+                <a:shade val="50000"/>
+              </a:schemeClr>
+            </a:lnRef>
+            <a:fillRef idx="1">
+              <a:schemeClr val="accent1"/>
+            </a:fillRef>
+            <a:effectRef idx="0">
+              <a:schemeClr val="accent1"/>
+            </a:effectRef>
+            <a:fontRef idx="minor">
+              <a:schemeClr val="lt1"/>
+            </a:fontRef>
+          </p:style>
+          <p:txBody>
+            <a:bodyPr rtlCol="0" anchor="ctr"/>
+            <a:lstStyle/>
+            <a:p>
+              <a:pPr algn="ctr"/>
+              <a:endParaRPr lang="en-US" dirty="0"/>
+            </a:p>
+          </p:txBody>
+        </p:sp>
+      </p:grpSp>
+    </p:spTree>
+    <p:extLst>
+      <p:ext uri="{BB962C8B-B14F-4D97-AF65-F5344CB8AC3E}">
+        <p14:creationId xmlns:p14="http://schemas.microsoft.com/office/powerpoint/2010/main" val="46563509"/>
+      </p:ext>
+    </p:extLst>
+  </p:cSld>
+  <p:clrMapOvr>
+    <a:masterClrMapping/>
+  </p:clrMapOvr>
+</p:sld>
+</file>
+
 <file path=ppt/theme/theme1.xml><?xml version="1.0" encoding="utf-8"?>
 <a:theme xmlns:a="http://schemas.openxmlformats.org/drawingml/2006/main" name="Office Theme">
   <a:themeElements>

--- a/dice_face.pptx
+++ b/dice_face.pptx
@@ -30039,10 +30039,10 @@
         </p:nvGrpSpPr>
         <p:grpSpPr>
           <a:xfrm>
-            <a:off x="4855704" y="2309129"/>
-            <a:ext cx="3433768" cy="1172256"/>
+            <a:off x="4698536" y="2317985"/>
+            <a:ext cx="3276600" cy="1187887"/>
             <a:chOff x="4855704" y="2309129"/>
-            <a:chExt cx="3433768" cy="1172256"/>
+            <a:chExt cx="3276600" cy="1187887"/>
           </a:xfrm>
         </p:grpSpPr>
         <p:sp>
@@ -30059,14 +30059,14 @@
           </p:nvSpPr>
           <p:spPr>
             <a:xfrm>
-              <a:off x="5012872" y="2447242"/>
+              <a:off x="4855704" y="2462873"/>
               <a:ext cx="3276600" cy="1034143"/>
             </a:xfrm>
             <a:prstGeom prst="rect">
               <a:avLst/>
             </a:prstGeom>
             <a:solidFill>
-              <a:srgbClr val="D1494C"/>
+              <a:srgbClr val="A73A3F"/>
             </a:solidFill>
             <a:ln>
               <a:noFill/>
